--- a/Slides/Psy524-09-Profile Analysis.pptx
+++ b/Slides/Psy524-09-Profile Analysis.pptx
@@ -6144,7 +6144,7 @@
           <a:graphicData uri="http://schemas.openxmlformats.org/presentationml/2006/ole">
             <mc:AlternateContent xmlns:mc="http://schemas.openxmlformats.org/markup-compatibility/2006">
               <mc:Choice xmlns:v="urn:schemas-microsoft-com:vml" Requires="v">
-                <p:oleObj spid="_x0000_s111621" name="Document" r:id="rId3" imgW="5529643" imgH="3772787" progId="Word.Document.8">
+                <p:oleObj spid="_x0000_s111625" name="Document" r:id="rId3" imgW="5529643" imgH="3772787" progId="Word.Document.8">
                   <p:embed/>
                 </p:oleObj>
               </mc:Choice>
@@ -6264,7 +6264,7 @@
           <a:graphicData uri="http://schemas.openxmlformats.org/presentationml/2006/ole">
             <mc:AlternateContent xmlns:mc="http://schemas.openxmlformats.org/markup-compatibility/2006">
               <mc:Choice xmlns:v="urn:schemas-microsoft-com:vml" Requires="v">
-                <p:oleObj spid="_x0000_s112645" name="Chart" r:id="rId3" imgW="5486400" imgH="3724351" progId="Excel.Chart.8">
+                <p:oleObj spid="_x0000_s112649" name="Chart" r:id="rId3" imgW="5486400" imgH="3724351" progId="Excel.Chart.8">
                   <p:embed/>
                 </p:oleObj>
               </mc:Choice>
@@ -6624,7 +6624,7 @@
           <a:graphicData uri="http://schemas.openxmlformats.org/presentationml/2006/ole">
             <mc:AlternateContent xmlns:mc="http://schemas.openxmlformats.org/markup-compatibility/2006">
               <mc:Choice xmlns:v="urn:schemas-microsoft-com:vml" Requires="v">
-                <p:oleObj spid="_x0000_s113672" name="Equation" r:id="rId3" imgW="3606800" imgH="406400" progId="Equation.DSMT4">
+                <p:oleObj spid="_x0000_s113680" name="Equation" r:id="rId3" imgW="3606800" imgH="406400" progId="Equation.DSMT4">
                   <p:embed/>
                 </p:oleObj>
               </mc:Choice>
@@ -6747,7 +6747,7 @@
           <a:graphicData uri="http://schemas.openxmlformats.org/presentationml/2006/ole">
             <mc:AlternateContent xmlns:mc="http://schemas.openxmlformats.org/markup-compatibility/2006">
               <mc:Choice xmlns:v="urn:schemas-microsoft-com:vml" Requires="v">
-                <p:oleObj spid="_x0000_s113673" name="Equation" r:id="rId5" imgW="1244600" imgH="241300" progId="Equation.DSMT4">
+                <p:oleObj spid="_x0000_s113681" name="Equation" r:id="rId5" imgW="1244600" imgH="241300" progId="Equation.DSMT4">
                   <p:embed/>
                 </p:oleObj>
               </mc:Choice>
@@ -6922,7 +6922,7 @@
           <a:graphicData uri="http://schemas.openxmlformats.org/presentationml/2006/ole">
             <mc:AlternateContent xmlns:mc="http://schemas.openxmlformats.org/markup-compatibility/2006">
               <mc:Choice xmlns:v="urn:schemas-microsoft-com:vml" Requires="v">
-                <p:oleObj spid="_x0000_s114693" name="Equation" r:id="rId3" imgW="3429000" imgH="533400" progId="Equation.DSMT4">
+                <p:oleObj spid="_x0000_s114697" name="Equation" r:id="rId3" imgW="3429000" imgH="533400" progId="Equation.DSMT4">
                   <p:embed/>
                 </p:oleObj>
               </mc:Choice>
@@ -7101,7 +7101,7 @@
           <a:graphicData uri="http://schemas.openxmlformats.org/presentationml/2006/ole">
             <mc:AlternateContent xmlns:mc="http://schemas.openxmlformats.org/markup-compatibility/2006">
               <mc:Choice xmlns:v="urn:schemas-microsoft-com:vml" Requires="v">
-                <p:oleObj spid="_x0000_s109580" name="Equation" r:id="rId3" imgW="1739900" imgH="762000" progId="Equation.DSMT4">
+                <p:oleObj spid="_x0000_s109584" name="Equation" r:id="rId3" imgW="1739900" imgH="762000" progId="Equation.DSMT4">
                   <p:embed/>
                 </p:oleObj>
               </mc:Choice>
@@ -7529,15 +7529,15 @@
           <a:lstStyle/>
           <a:p>
             <a:r>
-              <a:rPr lang="en-US" altLang="en-US"/>
+              <a:rPr lang="en-US" altLang="en-US" dirty="0"/>
               <a:t>Parallelism</a:t>
             </a:r>
           </a:p>
           <a:p>
             <a:pPr lvl="1"/>
             <a:r>
-              <a:rPr lang="en-US" altLang="en-US"/>
-              <a:t>Really asks the question is there a difference between groups on difference scores made by subtracting parallel scores on the DVs</a:t>
+              <a:rPr lang="en-US" altLang="en-US" dirty="0"/>
+              <a:t>Really asks the question is there a difference between groups on difference scores made by subtracting adjacent scores on the DVs</a:t>
             </a:r>
           </a:p>
         </p:txBody>
@@ -7699,7 +7699,7 @@
             <a:pPr lvl="1"/>
             <a:r>
               <a:rPr lang="en-US" altLang="en-US" sz="4000" dirty="0"/>
-              <a:t>In the example, a one way MANOVA would be used to tests the parallelism hypothesis.  Each segment represents a slope between two original DVs, if a multivariate effect is found than there is a difference in slope between at least two of the groups.</a:t>
+              <a:t>In the example, a one way MANOVA would be used to tests the parallelism hypothesis.  Each segment represents a “slope” between two original DVs, if a multivariate effect is found than there is a difference in slope between at least two of the groups.</a:t>
             </a:r>
           </a:p>
         </p:txBody>
@@ -7795,7 +7795,21 @@
             </a:r>
             <a:r>
               <a:rPr lang="en-US" altLang="en-US" sz="4400" dirty="0"/>
-              <a:t> T2). </a:t>
+              <a:t> </a:t>
+            </a:r>
+            <a:r>
+              <a:rPr lang="en-US" altLang="en-US" sz="4400" dirty="0">
+                <a:latin typeface="Symbol" panose="05050102010706020507" pitchFamily="18" charset="2"/>
+              </a:rPr>
+              <a:t>T</a:t>
+            </a:r>
+            <a:r>
+              <a:rPr lang="en-US" altLang="en-US" sz="4400" baseline="30000" dirty="0"/>
+              <a:t>2</a:t>
+            </a:r>
+            <a:r>
+              <a:rPr lang="en-US" altLang="en-US" sz="4400" dirty="0"/>
+              <a:t>). </a:t>
             </a:r>
           </a:p>
         </p:txBody>
@@ -8062,7 +8076,7 @@
           <a:graphicData uri="http://schemas.openxmlformats.org/presentationml/2006/ole">
             <mc:AlternateContent xmlns:mc="http://schemas.openxmlformats.org/markup-compatibility/2006">
               <mc:Choice xmlns:v="urn:schemas-microsoft-com:vml" Requires="v">
-                <p:oleObj spid="_x0000_s115720" name="Equation" r:id="rId3" imgW="2222500" imgH="685800" progId="Equation.DSMT4">
+                <p:oleObj spid="_x0000_s115728" name="Equation" r:id="rId3" imgW="2222500" imgH="685800" progId="Equation.DSMT4">
                   <p:embed/>
                 </p:oleObj>
               </mc:Choice>
@@ -8194,7 +8208,7 @@
           <a:graphicData uri="http://schemas.openxmlformats.org/presentationml/2006/ole">
             <mc:AlternateContent xmlns:mc="http://schemas.openxmlformats.org/markup-compatibility/2006">
               <mc:Choice xmlns:v="urn:schemas-microsoft-com:vml" Requires="v">
-                <p:oleObj spid="_x0000_s115721" name="Equation" r:id="rId5" imgW="2959100" imgH="685800" progId="Equation.DSMT4">
+                <p:oleObj spid="_x0000_s115729" name="Equation" r:id="rId5" imgW="2959100" imgH="685800" progId="Equation.DSMT4">
                   <p:embed/>
                 </p:oleObj>
               </mc:Choice>
@@ -8400,7 +8414,7 @@
           <a:graphicData uri="http://schemas.openxmlformats.org/presentationml/2006/ole">
             <mc:AlternateContent xmlns:mc="http://schemas.openxmlformats.org/markup-compatibility/2006">
               <mc:Choice xmlns:v="urn:schemas-microsoft-com:vml" Requires="v">
-                <p:oleObj spid="_x0000_s116741" name="Equation" r:id="rId3" imgW="1803400" imgH="711200" progId="Equation.DSMT4">
+                <p:oleObj spid="_x0000_s116745" name="Equation" r:id="rId3" imgW="1803400" imgH="711200" progId="Equation.DSMT4">
                   <p:embed/>
                 </p:oleObj>
               </mc:Choice>
@@ -8735,7 +8749,7 @@
           <a:graphicData uri="http://schemas.openxmlformats.org/presentationml/2006/ole">
             <mc:AlternateContent xmlns:mc="http://schemas.openxmlformats.org/markup-compatibility/2006">
               <mc:Choice xmlns:v="urn:schemas-microsoft-com:vml" Requires="v">
-                <p:oleObj spid="_x0000_s117768" name="Equation" r:id="rId3" imgW="2552700" imgH="685800" progId="Equation.DSMT4">
+                <p:oleObj spid="_x0000_s117776" name="Equation" r:id="rId3" imgW="2552700" imgH="685800" progId="Equation.DSMT4">
                   <p:embed/>
                 </p:oleObj>
               </mc:Choice>
@@ -8927,7 +8941,7 @@
           <a:graphicData uri="http://schemas.openxmlformats.org/presentationml/2006/ole">
             <mc:AlternateContent xmlns:mc="http://schemas.openxmlformats.org/markup-compatibility/2006">
               <mc:Choice xmlns:v="urn:schemas-microsoft-com:vml" Requires="v">
-                <p:oleObj spid="_x0000_s117769" name="Equation" r:id="rId5" imgW="3390900" imgH="685800" progId="Equation.DSMT4">
+                <p:oleObj spid="_x0000_s117777" name="Equation" r:id="rId5" imgW="3390900" imgH="685800" progId="Equation.DSMT4">
                   <p:embed/>
                 </p:oleObj>
               </mc:Choice>
@@ -9045,7 +9059,11 @@
             </a:r>
             <a:r>
               <a:rPr lang="en-US" altLang="en-US" sz="4000" dirty="0" err="1"/>
-              <a:t>Sbg</a:t>
+              <a:t>S</a:t>
+            </a:r>
+            <a:r>
+              <a:rPr lang="en-US" altLang="en-US" sz="4000" baseline="-25000" dirty="0" err="1"/>
+              <a:t>bg</a:t>
             </a:r>
             <a:r>
               <a:rPr lang="en-US" altLang="en-US" sz="4000" dirty="0"/>
@@ -9132,7 +9150,7 @@
           <a:graphicData uri="http://schemas.openxmlformats.org/presentationml/2006/ole">
             <mc:AlternateContent xmlns:mc="http://schemas.openxmlformats.org/markup-compatibility/2006">
               <mc:Choice xmlns:v="urn:schemas-microsoft-com:vml" Requires="v">
-                <p:oleObj spid="_x0000_s118789" name="Equation" r:id="rId3" imgW="2324100" imgH="711200" progId="Equation.DSMT4">
+                <p:oleObj spid="_x0000_s118793" name="Equation" r:id="rId3" imgW="2324100" imgH="711200" progId="Equation.DSMT4">
                   <p:embed/>
                 </p:oleObj>
               </mc:Choice>
@@ -9254,8 +9272,8 @@
           <a:lstStyle/>
           <a:p>
             <a:r>
-              <a:rPr lang="en-US" altLang="en-US"/>
-              <a:t>Lambda is calculated the same way, etc.</a:t>
+              <a:rPr lang="en-US" altLang="en-US" dirty="0"/>
+              <a:t>Lambda is calculated the same way it is in MANOVA, etc.</a:t>
             </a:r>
           </a:p>
         </p:txBody>
@@ -9328,7 +9346,7 @@
           <a:lstStyle/>
           <a:p>
             <a:r>
-              <a:rPr lang="en-US" altLang="en-US"/>
+              <a:rPr lang="en-US" altLang="en-US" dirty="0"/>
               <a:t>Flatness - is tested by subtracted a hypothesized grand mean (0) from the actual grand mean</a:t>
             </a:r>
           </a:p>
@@ -9412,7 +9430,7 @@
           <a:graphicData uri="http://schemas.openxmlformats.org/presentationml/2006/ole">
             <mc:AlternateContent xmlns:mc="http://schemas.openxmlformats.org/markup-compatibility/2006">
               <mc:Choice xmlns:v="urn:schemas-microsoft-com:vml" Requires="v">
-                <p:oleObj spid="_x0000_s119813" name="Equation" r:id="rId3" imgW="2120900" imgH="711200" progId="Equation.DSMT4">
+                <p:oleObj spid="_x0000_s119817" name="Equation" r:id="rId3" imgW="2120900" imgH="711200" progId="Equation.DSMT4">
                   <p:embed/>
                 </p:oleObj>
               </mc:Choice>
@@ -9594,7 +9612,7 @@
           <a:graphicData uri="http://schemas.openxmlformats.org/presentationml/2006/ole">
             <mc:AlternateContent xmlns:mc="http://schemas.openxmlformats.org/markup-compatibility/2006">
               <mc:Choice xmlns:v="urn:schemas-microsoft-com:vml" Requires="v">
-                <p:oleObj spid="_x0000_s120840" name="Equation" r:id="rId3" imgW="2247900" imgH="254000" progId="Equation.DSMT4">
+                <p:oleObj spid="_x0000_s120848" name="Equation" r:id="rId3" imgW="2247900" imgH="254000" progId="Equation.DSMT4">
                   <p:embed/>
                 </p:oleObj>
               </mc:Choice>
@@ -9726,7 +9744,7 @@
           <a:graphicData uri="http://schemas.openxmlformats.org/presentationml/2006/ole">
             <mc:AlternateContent xmlns:mc="http://schemas.openxmlformats.org/markup-compatibility/2006">
               <mc:Choice xmlns:v="urn:schemas-microsoft-com:vml" Requires="v">
-                <p:oleObj spid="_x0000_s120841" name="Equation" r:id="rId5" imgW="4101840" imgH="888840" progId="Equation.DSMT4">
+                <p:oleObj spid="_x0000_s120849" name="Equation" r:id="rId5" imgW="4101840" imgH="888840" progId="Equation.DSMT4">
                   <p:embed/>
                 </p:oleObj>
               </mc:Choice>
@@ -9902,7 +9920,7 @@
           <a:graphicData uri="http://schemas.openxmlformats.org/presentationml/2006/ole">
             <mc:AlternateContent xmlns:mc="http://schemas.openxmlformats.org/markup-compatibility/2006">
               <mc:Choice xmlns:v="urn:schemas-microsoft-com:vml" Requires="v">
-                <p:oleObj spid="_x0000_s121864" name="Equation" r:id="rId3" imgW="2120900" imgH="838200" progId="Equation.DSMT4">
+                <p:oleObj spid="_x0000_s121872" name="Equation" r:id="rId3" imgW="2120900" imgH="838200" progId="Equation.DSMT4">
                   <p:embed/>
                 </p:oleObj>
               </mc:Choice>
@@ -10027,7 +10045,7 @@
           <a:graphicData uri="http://schemas.openxmlformats.org/presentationml/2006/ole">
             <mc:AlternateContent xmlns:mc="http://schemas.openxmlformats.org/markup-compatibility/2006">
               <mc:Choice xmlns:v="urn:schemas-microsoft-com:vml" Requires="v">
-                <p:oleObj spid="_x0000_s121865" name="Equation" r:id="rId5" imgW="2006280" imgH="393480" progId="Equation.DSMT4">
+                <p:oleObj spid="_x0000_s121873" name="Equation" r:id="rId5" imgW="2006280" imgH="393480" progId="Equation.DSMT4">
                   <p:embed/>
                 </p:oleObj>
               </mc:Choice>
@@ -10149,8 +10167,8 @@
           <a:lstStyle/>
           <a:p>
             <a:r>
-              <a:rPr lang="en-US" altLang="en-US"/>
-              <a:t>If the equal levels or flatness hypotheses are rejected and there are more than levels you need to break down the effect to see where the differences lie.</a:t>
+              <a:rPr lang="en-US" altLang="en-US" dirty="0"/>
+              <a:t>If the equal levels or flatness hypotheses are rejected and there are more than 2 levels you need to break down the effect to find which levels are different.</a:t>
             </a:r>
           </a:p>
         </p:txBody>
@@ -10449,7 +10467,7 @@
           <a:graphicData uri="http://schemas.openxmlformats.org/presentationml/2006/ole">
             <mc:AlternateContent xmlns:mc="http://schemas.openxmlformats.org/markup-compatibility/2006">
               <mc:Choice xmlns:v="urn:schemas-microsoft-com:vml" Requires="v">
-                <p:oleObj spid="_x0000_s110604" name="Equation" r:id="rId3" imgW="1816100" imgH="711200" progId="Equation.DSMT4">
+                <p:oleObj spid="_x0000_s110608" name="Equation" r:id="rId3" imgW="1816100" imgH="711200" progId="Equation.DSMT4">
                   <p:embed/>
                 </p:oleObj>
               </mc:Choice>
